--- a/Presentations/MVP2.pptx
+++ b/Presentations/MVP2.pptx
@@ -143,7 +143,7 @@
   <pc:docChgLst>
     <pc:chgData name="dhaval.sk.ca@gmail.com" userId="c9b32f74184d077f" providerId="LiveId" clId="{E951C5E4-C82B-483A-A29D-5131A6BB55A3}"/>
     <pc:docChg chg="undo redo custSel addSld modSld">
-      <pc:chgData name="dhaval.sk.ca@gmail.com" userId="c9b32f74184d077f" providerId="LiveId" clId="{E951C5E4-C82B-483A-A29D-5131A6BB55A3}" dt="2021-06-09T09:24:38.590" v="1484" actId="14100"/>
+      <pc:chgData name="dhaval.sk.ca@gmail.com" userId="c9b32f74184d077f" providerId="LiveId" clId="{E951C5E4-C82B-483A-A29D-5131A6BB55A3}" dt="2021-06-09T18:17:48.410" v="1508" actId="1035"/>
       <pc:docMkLst>
         <pc:docMk/>
       </pc:docMkLst>
@@ -453,8 +453,8 @@
           </ac:picMkLst>
         </pc:picChg>
       </pc:sldChg>
-      <pc:sldChg chg="modSp mod modAnim">
-        <pc:chgData name="dhaval.sk.ca@gmail.com" userId="c9b32f74184d077f" providerId="LiveId" clId="{E951C5E4-C82B-483A-A29D-5131A6BB55A3}" dt="2021-06-09T09:24:38.590" v="1484" actId="14100"/>
+      <pc:sldChg chg="addSp delSp modSp mod modAnim">
+        <pc:chgData name="dhaval.sk.ca@gmail.com" userId="c9b32f74184d077f" providerId="LiveId" clId="{E951C5E4-C82B-483A-A29D-5131A6BB55A3}" dt="2021-06-09T18:17:48.410" v="1508" actId="1035"/>
         <pc:sldMkLst>
           <pc:docMk/>
           <pc:sldMk cId="816838803" sldId="311"/>
@@ -531,6 +531,14 @@
             <ac:spMk id="54" creationId="{CF387613-DE51-48C2-AC9C-D1CA7A2C452A}"/>
           </ac:spMkLst>
         </pc:spChg>
+        <pc:spChg chg="del">
+          <ac:chgData name="dhaval.sk.ca@gmail.com" userId="c9b32f74184d077f" providerId="LiveId" clId="{E951C5E4-C82B-483A-A29D-5131A6BB55A3}" dt="2021-06-09T18:16:15.933" v="1488" actId="478"/>
+          <ac:spMkLst>
+            <pc:docMk/>
+            <pc:sldMk cId="816838803" sldId="311"/>
+            <ac:spMk id="56" creationId="{E26899AD-34E0-4D4F-9167-1FD12DFB403D}"/>
+          </ac:spMkLst>
+        </pc:spChg>
         <pc:spChg chg="mod">
           <ac:chgData name="dhaval.sk.ca@gmail.com" userId="c9b32f74184d077f" providerId="LiveId" clId="{E951C5E4-C82B-483A-A29D-5131A6BB55A3}" dt="2021-06-09T09:24:11.622" v="1482" actId="1076"/>
           <ac:spMkLst>
@@ -539,8 +547,8 @@
             <ac:spMk id="59" creationId="{AF0B53AB-5DB1-45C8-8F74-E27541AD8571}"/>
           </ac:spMkLst>
         </pc:spChg>
-        <pc:spChg chg="mod">
-          <ac:chgData name="dhaval.sk.ca@gmail.com" userId="c9b32f74184d077f" providerId="LiveId" clId="{E951C5E4-C82B-483A-A29D-5131A6BB55A3}" dt="2021-06-09T09:22:04.240" v="1460" actId="1035"/>
+        <pc:spChg chg="del mod">
+          <ac:chgData name="dhaval.sk.ca@gmail.com" userId="c9b32f74184d077f" providerId="LiveId" clId="{E951C5E4-C82B-483A-A29D-5131A6BB55A3}" dt="2021-06-09T18:16:18.134" v="1489" actId="478"/>
           <ac:spMkLst>
             <pc:docMk/>
             <pc:sldMk cId="816838803" sldId="311"/>
@@ -579,6 +587,30 @@
             <ac:graphicFrameMk id="64" creationId="{2670AD5F-1588-4AAD-B1CF-9DF0E18512F3}"/>
           </ac:graphicFrameMkLst>
         </pc:graphicFrameChg>
+        <pc:picChg chg="add del mod">
+          <ac:chgData name="dhaval.sk.ca@gmail.com" userId="c9b32f74184d077f" providerId="LiveId" clId="{E951C5E4-C82B-483A-A29D-5131A6BB55A3}" dt="2021-06-09T18:15:50.351" v="1487" actId="21"/>
+          <ac:picMkLst>
+            <pc:docMk/>
+            <pc:sldMk cId="816838803" sldId="311"/>
+            <ac:picMk id="6" creationId="{208ABFBD-6477-4CFC-8DAD-44503120E874}"/>
+          </ac:picMkLst>
+        </pc:picChg>
+        <pc:picChg chg="add mod">
+          <ac:chgData name="dhaval.sk.ca@gmail.com" userId="c9b32f74184d077f" providerId="LiveId" clId="{E951C5E4-C82B-483A-A29D-5131A6BB55A3}" dt="2021-06-09T18:17:48.410" v="1508" actId="1035"/>
+          <ac:picMkLst>
+            <pc:docMk/>
+            <pc:sldMk cId="816838803" sldId="311"/>
+            <ac:picMk id="20" creationId="{51DB0A7D-BDBE-48A7-ABEF-44717891EE53}"/>
+          </ac:picMkLst>
+        </pc:picChg>
+        <pc:picChg chg="add mod">
+          <ac:chgData name="dhaval.sk.ca@gmail.com" userId="c9b32f74184d077f" providerId="LiveId" clId="{E951C5E4-C82B-483A-A29D-5131A6BB55A3}" dt="2021-06-09T18:17:37.339" v="1499" actId="1076"/>
+          <ac:picMkLst>
+            <pc:docMk/>
+            <pc:sldMk cId="816838803" sldId="311"/>
+            <ac:picMk id="42" creationId="{93A7CF2B-883F-412B-95E4-C18ADA43BAAC}"/>
+          </ac:picMkLst>
+        </pc:picChg>
       </pc:sldChg>
       <pc:sldChg chg="modSp add mod">
         <pc:chgData name="dhaval.sk.ca@gmail.com" userId="c9b32f74184d077f" providerId="LiveId" clId="{E951C5E4-C82B-483A-A29D-5131A6BB55A3}" dt="2021-06-09T09:07:39.031" v="1324" actId="1036"/>
@@ -14045,249 +14077,66 @@
           </a:p>
         </p:txBody>
       </p:sp>
-      <p:sp>
-        <p:nvSpPr>
-          <p:cNvPr id="56" name="TextBox 55">
+      <p:pic>
+        <p:nvPicPr>
+          <p:cNvPr id="42" name="Picture 41">
             <a:extLst>
               <a:ext uri="{FF2B5EF4-FFF2-40B4-BE49-F238E27FC236}">
-                <a16:creationId xmlns:a16="http://schemas.microsoft.com/office/drawing/2014/main" id="{E26899AD-34E0-4D4F-9167-1FD12DFB403D}"/>
+                <a16:creationId xmlns:a16="http://schemas.microsoft.com/office/drawing/2014/main" id="{93A7CF2B-883F-412B-95E4-C18ADA43BAAC}"/>
               </a:ext>
             </a:extLst>
           </p:cNvPr>
-          <p:cNvSpPr txBox="1"/>
+          <p:cNvPicPr>
+            <a:picLocks noChangeAspect="1"/>
+          </p:cNvPicPr>
           <p:nvPr/>
-        </p:nvSpPr>
+        </p:nvPicPr>
+        <p:blipFill>
+          <a:blip r:embed="rId3"/>
+          <a:stretch>
+            <a:fillRect/>
+          </a:stretch>
+        </p:blipFill>
         <p:spPr>
           <a:xfrm>
-            <a:off x="462793" y="2855790"/>
-            <a:ext cx="5170559" cy="646331"/>
+            <a:off x="942257" y="2684453"/>
+            <a:ext cx="2953030" cy="821104"/>
           </a:xfrm>
           <a:prstGeom prst="rect">
             <a:avLst/>
           </a:prstGeom>
-          <a:noFill/>
         </p:spPr>
-        <p:txBody>
-          <a:bodyPr wrap="square">
-            <a:spAutoFit/>
-          </a:bodyPr>
-          <a:lstStyle/>
-          <a:p>
-            <a:pPr marL="0" marR="0" lvl="0" indent="0" algn="l" defTabSz="914400" rtl="0" eaLnBrk="1" fontAlgn="auto" latinLnBrk="1" hangingPunct="1">
-              <a:lnSpc>
-                <a:spcPct val="100000"/>
-              </a:lnSpc>
-              <a:spcBef>
-                <a:spcPct val="20000"/>
-              </a:spcBef>
-              <a:spcAft>
-                <a:spcPts val="0"/>
-              </a:spcAft>
-              <a:buClrTx/>
-              <a:buSzTx/>
-              <a:buFont typeface="Arial" pitchFamily="34" charset="0"/>
-              <a:buNone/>
-              <a:tabLst/>
-              <a:defRPr/>
-            </a:pPr>
-            <a:r>
-              <a:rPr kumimoji="0" lang="en-CA" altLang="ko-KR" sz="3600" b="0" i="0" u="none" strike="noStrike" kern="1200" cap="none" spc="0" normalizeH="0" baseline="0" dirty="0">
-                <a:ln>
-                  <a:noFill/>
-                </a:ln>
-                <a:solidFill>
-                  <a:srgbClr val="1F497D">
-                    <a:lumMod val="50000"/>
-                  </a:srgbClr>
-                </a:solidFill>
-                <a:effectLst/>
-                <a:uLnTx/>
-                <a:uFillTx/>
-                <a:latin typeface="Arial"/>
-                <a:cs typeface="Arial" pitchFamily="34" charset="0"/>
-              </a:rPr>
-              <a:t>Next Up</a:t>
-            </a:r>
-            <a:endParaRPr kumimoji="0" lang="ko-KR" altLang="en-US" sz="3600" b="0" i="0" u="none" strike="noStrike" kern="1200" cap="none" spc="0" normalizeH="0" baseline="0" noProof="0" dirty="0">
-              <a:ln>
-                <a:noFill/>
-              </a:ln>
-              <a:solidFill>
-                <a:srgbClr val="1F497D">
-                  <a:lumMod val="50000"/>
-                </a:srgbClr>
-              </a:solidFill>
-              <a:effectLst/>
-              <a:uLnTx/>
-              <a:uFillTx/>
-              <a:latin typeface="Arial"/>
-              <a:cs typeface="Arial" pitchFamily="34" charset="0"/>
-            </a:endParaRPr>
-          </a:p>
-        </p:txBody>
-      </p:sp>
-      <p:sp>
-        <p:nvSpPr>
-          <p:cNvPr id="61" name="TextBox 60">
+      </p:pic>
+      <p:pic>
+        <p:nvPicPr>
+          <p:cNvPr id="20" name="Picture 19">
             <a:extLst>
               <a:ext uri="{FF2B5EF4-FFF2-40B4-BE49-F238E27FC236}">
-                <a16:creationId xmlns:a16="http://schemas.microsoft.com/office/drawing/2014/main" id="{69F93417-0EAC-4CAB-A7DF-5431176FD1DC}"/>
+                <a16:creationId xmlns:a16="http://schemas.microsoft.com/office/drawing/2014/main" id="{51DB0A7D-BDBE-48A7-ABEF-44717891EE53}"/>
               </a:ext>
             </a:extLst>
           </p:cNvPr>
-          <p:cNvSpPr txBox="1"/>
+          <p:cNvPicPr>
+            <a:picLocks noChangeAspect="1"/>
+          </p:cNvPicPr>
           <p:nvPr/>
-        </p:nvSpPr>
+        </p:nvPicPr>
+        <p:blipFill>
+          <a:blip r:embed="rId4"/>
+          <a:stretch>
+            <a:fillRect/>
+          </a:stretch>
+        </p:blipFill>
         <p:spPr>
           <a:xfrm>
-            <a:off x="553092" y="3507854"/>
-            <a:ext cx="4635835" cy="1169551"/>
+            <a:off x="942257" y="3507854"/>
+            <a:ext cx="2953030" cy="994311"/>
           </a:xfrm>
           <a:prstGeom prst="rect">
             <a:avLst/>
           </a:prstGeom>
-          <a:noFill/>
         </p:spPr>
-        <p:txBody>
-          <a:bodyPr wrap="square" rtlCol="0">
-            <a:spAutoFit/>
-          </a:bodyPr>
-          <a:lstStyle/>
-          <a:p>
-            <a:pPr marL="285750" marR="0" lvl="0" indent="-285750" defTabSz="914400" rtl="0" eaLnBrk="1" fontAlgn="auto" latinLnBrk="1" hangingPunct="1">
-              <a:lnSpc>
-                <a:spcPct val="100000"/>
-              </a:lnSpc>
-              <a:spcBef>
-                <a:spcPts val="0"/>
-              </a:spcBef>
-              <a:spcAft>
-                <a:spcPts val="0"/>
-              </a:spcAft>
-              <a:buClrTx/>
-              <a:buSzTx/>
-              <a:buFont typeface="Wingdings" panose="05000000000000000000" pitchFamily="2" charset="2"/>
-              <a:buChar char="v"/>
-              <a:tabLst/>
-              <a:defRPr/>
-            </a:pPr>
-            <a:r>
-              <a:rPr lang="en-CA" altLang="ko-KR" sz="1400" b="1" dirty="0">
-                <a:solidFill>
-                  <a:prstClr val="white"/>
-                </a:solidFill>
-                <a:latin typeface="Arial"/>
-                <a:cs typeface="Arial" pitchFamily="34" charset="0"/>
-              </a:rPr>
-              <a:t>Focus on pending MVP 2 task </a:t>
-            </a:r>
-          </a:p>
-          <a:p>
-            <a:pPr marR="0" lvl="0" defTabSz="914400" rtl="0" eaLnBrk="1" fontAlgn="auto" latinLnBrk="1" hangingPunct="1">
-              <a:lnSpc>
-                <a:spcPct val="100000"/>
-              </a:lnSpc>
-              <a:spcBef>
-                <a:spcPts val="0"/>
-              </a:spcBef>
-              <a:spcAft>
-                <a:spcPts val="0"/>
-              </a:spcAft>
-              <a:buClrTx/>
-              <a:buSzTx/>
-              <a:tabLst/>
-              <a:defRPr/>
-            </a:pPr>
-            <a:endParaRPr lang="en-CA" altLang="ko-KR" sz="1400" b="1" dirty="0">
-              <a:solidFill>
-                <a:prstClr val="white"/>
-              </a:solidFill>
-              <a:latin typeface="Arial"/>
-              <a:cs typeface="Arial" pitchFamily="34" charset="0"/>
-            </a:endParaRPr>
-          </a:p>
-          <a:p>
-            <a:pPr marL="285750" marR="0" lvl="0" indent="-285750" defTabSz="914400" rtl="0" eaLnBrk="1" fontAlgn="auto" latinLnBrk="1" hangingPunct="1">
-              <a:lnSpc>
-                <a:spcPct val="100000"/>
-              </a:lnSpc>
-              <a:spcBef>
-                <a:spcPts val="0"/>
-              </a:spcBef>
-              <a:spcAft>
-                <a:spcPts val="0"/>
-              </a:spcAft>
-              <a:buClrTx/>
-              <a:buSzTx/>
-              <a:buFont typeface="Wingdings" panose="05000000000000000000" pitchFamily="2" charset="2"/>
-              <a:buChar char="v"/>
-              <a:tabLst/>
-              <a:defRPr/>
-            </a:pPr>
-            <a:r>
-              <a:rPr lang="en-CA" altLang="ko-KR" sz="1400" b="1" dirty="0">
-                <a:solidFill>
-                  <a:prstClr val="white"/>
-                </a:solidFill>
-                <a:latin typeface="Arial"/>
-                <a:cs typeface="Arial" pitchFamily="34" charset="0"/>
-              </a:rPr>
-              <a:t>Work on proposed MVP 3 tasks</a:t>
-            </a:r>
-          </a:p>
-          <a:p>
-            <a:pPr marR="0" lvl="0" defTabSz="914400" rtl="0" eaLnBrk="1" fontAlgn="auto" latinLnBrk="1" hangingPunct="1">
-              <a:lnSpc>
-                <a:spcPct val="100000"/>
-              </a:lnSpc>
-              <a:spcBef>
-                <a:spcPts val="0"/>
-              </a:spcBef>
-              <a:spcAft>
-                <a:spcPts val="0"/>
-              </a:spcAft>
-              <a:buClrTx/>
-              <a:buSzTx/>
-              <a:tabLst/>
-              <a:defRPr/>
-            </a:pPr>
-            <a:r>
-              <a:rPr lang="en-CA" altLang="ko-KR" sz="1400" b="1" dirty="0">
-                <a:solidFill>
-                  <a:prstClr val="white"/>
-                </a:solidFill>
-                <a:latin typeface="Arial"/>
-                <a:cs typeface="Arial" pitchFamily="34" charset="0"/>
-              </a:rPr>
-              <a:t> </a:t>
-            </a:r>
-          </a:p>
-          <a:p>
-            <a:pPr marR="0" lvl="0" defTabSz="914400" rtl="0" eaLnBrk="1" fontAlgn="auto" latinLnBrk="1" hangingPunct="1">
-              <a:lnSpc>
-                <a:spcPct val="100000"/>
-              </a:lnSpc>
-              <a:spcBef>
-                <a:spcPts val="0"/>
-              </a:spcBef>
-              <a:spcAft>
-                <a:spcPts val="0"/>
-              </a:spcAft>
-              <a:buClrTx/>
-              <a:buSzTx/>
-              <a:tabLst/>
-              <a:defRPr/>
-            </a:pPr>
-            <a:endParaRPr lang="en-CA" altLang="ko-KR" sz="1400" b="1" dirty="0">
-              <a:solidFill>
-                <a:prstClr val="white"/>
-              </a:solidFill>
-              <a:latin typeface="Arial"/>
-              <a:cs typeface="Arial" pitchFamily="34" charset="0"/>
-            </a:endParaRPr>
-          </a:p>
-        </p:txBody>
-      </p:sp>
+      </p:pic>
     </p:spTree>
     <p:extLst>
       <p:ext uri="{BB962C8B-B14F-4D97-AF65-F5344CB8AC3E}">
